--- a/SEMANA14/semana 14.pptx
+++ b/SEMANA14/semana 14.pptx
@@ -324,7 +324,7 @@
       <p15:sldGuideLst xmlns:p15="http://schemas.microsoft.com/office/powerpoint/2012/main"/>
     </p:ext>
     <p:ext uri="GoogleSlidesCustomDataVersion2">
-      <go:slidesCustomData xmlns="" xmlns:mc="http://schemas.openxmlformats.org/markup-compatibility/2006" xmlns:mv="urn:schemas-microsoft-com:mac:vml" xmlns:c="http://schemas.openxmlformats.org/drawingml/2006/chart" xmlns:dgm="http://schemas.openxmlformats.org/drawingml/2006/diagram" xmlns:o="urn:schemas-microsoft-com:office:office" xmlns:v="urn:schemas-microsoft-com:vml" xmlns:pvml="urn:schemas-microsoft-com:office:powerpoint" xmlns:com="http://schemas.openxmlformats.org/drawingml/2006/compatibility" xmlns:p14="http://schemas.microsoft.com/office/powerpoint/2010/main" xmlns:p15="http://schemas.microsoft.com/office/powerpoint/2012/main" xmlns:ahyp="http://schemas.microsoft.com/office/drawing/2018/hyperlinkcolor" xmlns:go="http://customooxmlschemas.google.com/" r:id="rId77" roundtripDataSignature="AMtx7mjy3wVxRABiZwmyw/zOESJUTcSRIw=="/>
+      <go:slidesCustomData xmlns:go="http://customooxmlschemas.google.com/" xmlns:ahyp="http://schemas.microsoft.com/office/drawing/2018/hyperlinkcolor" xmlns:p15="http://schemas.microsoft.com/office/powerpoint/2012/main" xmlns:p14="http://schemas.microsoft.com/office/powerpoint/2010/main" xmlns:com="http://schemas.openxmlformats.org/drawingml/2006/compatibility" xmlns:pvml="urn:schemas-microsoft-com:office:powerpoint" xmlns:v="urn:schemas-microsoft-com:vml" xmlns:o="urn:schemas-microsoft-com:office:office" xmlns:dgm="http://schemas.openxmlformats.org/drawingml/2006/diagram" xmlns:c="http://schemas.openxmlformats.org/drawingml/2006/chart" xmlns:mv="urn:schemas-microsoft-com:mac:vml" xmlns:mc="http://schemas.openxmlformats.org/markup-compatibility/2006" xmlns="" r:id="rId77" roundtripDataSignature="AMtx7mjy3wVxRABiZwmyw/zOESJUTcSRIw=="/>
     </p:ext>
   </p:extLst>
 </p:presentation>
@@ -30543,7 +30543,8 @@
                   <a:srgbClr val="374151"/>
                 </a:solidFill>
                 <a:effectLst/>
-                <a:latin typeface="Söhne"/>
+                <a:latin typeface="Calibri" panose="020F0502020204030204" pitchFamily="34" charset="0"/>
+                <a:cs typeface="Calibri" panose="020F0502020204030204" pitchFamily="34" charset="0"/>
               </a:rPr>
               <a:t>Como você classificaria a facilidade de encontrar o livro que você estava procurando?</a:t>
             </a:r>
@@ -30559,7 +30560,8 @@
                   <a:srgbClr val="374151"/>
                 </a:solidFill>
                 <a:effectLst/>
-                <a:latin typeface="Söhne"/>
+                <a:latin typeface="Calibri" panose="020F0502020204030204" pitchFamily="34" charset="0"/>
+                <a:cs typeface="Calibri" panose="020F0502020204030204" pitchFamily="34" charset="0"/>
               </a:rPr>
               <a:t>Você teve alguma dificuldade em localizar o botão "Adicionar ao Carrinho" na página do produto? Se sim, o que o confundiu?</a:t>
             </a:r>
@@ -30575,7 +30577,8 @@
                   <a:srgbClr val="374151"/>
                 </a:solidFill>
                 <a:effectLst/>
-                <a:latin typeface="Söhne"/>
+                <a:latin typeface="Calibri" panose="020F0502020204030204" pitchFamily="34" charset="0"/>
+                <a:cs typeface="Calibri" panose="020F0502020204030204" pitchFamily="34" charset="0"/>
               </a:rPr>
               <a:t>O processo de adicionar o livro ao carrinho foi intuitivo? Por favor, explique.</a:t>
             </a:r>
@@ -30591,7 +30594,8 @@
                   <a:srgbClr val="374151"/>
                 </a:solidFill>
                 <a:effectLst/>
-                <a:latin typeface="Söhne"/>
+                <a:latin typeface="Calibri" panose="020F0502020204030204" pitchFamily="34" charset="0"/>
+                <a:cs typeface="Calibri" panose="020F0502020204030204" pitchFamily="34" charset="0"/>
               </a:rPr>
               <a:t>Você teve alguma dúvida ou preocupação ao adicionar o livro ao carrinho?</a:t>
             </a:r>
@@ -30607,7 +30611,8 @@
                   <a:srgbClr val="374151"/>
                 </a:solidFill>
                 <a:effectLst/>
-                <a:latin typeface="Söhne"/>
+                <a:latin typeface="Calibri" panose="020F0502020204030204" pitchFamily="34" charset="0"/>
+                <a:cs typeface="Calibri" panose="020F0502020204030204" pitchFamily="34" charset="0"/>
               </a:rPr>
               <a:t>A página do produto forneceu todas as informações necessárias sobre o livro, como título, autor, preço e disponibilidade?</a:t>
             </a:r>
@@ -30745,7 +30750,8 @@
                   <a:srgbClr val="374151"/>
                 </a:solidFill>
                 <a:effectLst/>
-                <a:latin typeface="Söhne"/>
+                <a:latin typeface="Calibri" panose="020F0502020204030204" pitchFamily="34" charset="0"/>
+                <a:cs typeface="Calibri" panose="020F0502020204030204" pitchFamily="34" charset="0"/>
               </a:rPr>
               <a:t>O preço exibido na página do produto correspondeu ao preço no carrinho de compras?</a:t>
             </a:r>
@@ -30754,7 +30760,8 @@
                 <a:srgbClr val="374151"/>
               </a:solidFill>
               <a:effectLst/>
-              <a:latin typeface="Söhne"/>
+              <a:latin typeface="Calibri" panose="020F0502020204030204" pitchFamily="34" charset="0"/>
+              <a:cs typeface="Calibri" panose="020F0502020204030204" pitchFamily="34" charset="0"/>
             </a:endParaRPr>
           </a:p>
           <a:p>
@@ -30768,7 +30775,8 @@
                   <a:srgbClr val="374151"/>
                 </a:solidFill>
                 <a:effectLst/>
-                <a:latin typeface="Söhne"/>
+                <a:latin typeface="Calibri" panose="020F0502020204030204" pitchFamily="34" charset="0"/>
+                <a:cs typeface="Calibri" panose="020F0502020204030204" pitchFamily="34" charset="0"/>
               </a:rPr>
               <a:t>Você encontrou alguma dificuldade na visualização do seu carrinho de compras após adicionar o livro?</a:t>
             </a:r>
@@ -30777,7 +30785,8 @@
                 <a:srgbClr val="374151"/>
               </a:solidFill>
               <a:effectLst/>
-              <a:latin typeface="Söhne"/>
+              <a:latin typeface="Calibri" panose="020F0502020204030204" pitchFamily="34" charset="0"/>
+              <a:cs typeface="Calibri" panose="020F0502020204030204" pitchFamily="34" charset="0"/>
             </a:endParaRPr>
           </a:p>
           <a:p>
@@ -30791,7 +30800,8 @@
                   <a:srgbClr val="374151"/>
                 </a:solidFill>
                 <a:effectLst/>
-                <a:latin typeface="Söhne"/>
+                <a:latin typeface="Calibri" panose="020F0502020204030204" pitchFamily="34" charset="0"/>
+                <a:cs typeface="Calibri" panose="020F0502020204030204" pitchFamily="34" charset="0"/>
               </a:rPr>
               <a:t>A quantidade do livro no carrinho de compras refletiu corretamente a quantidade que você selecionou?</a:t>
             </a:r>
@@ -30800,7 +30810,8 @@
                 <a:srgbClr val="374151"/>
               </a:solidFill>
               <a:effectLst/>
-              <a:latin typeface="Söhne"/>
+              <a:latin typeface="Calibri" panose="020F0502020204030204" pitchFamily="34" charset="0"/>
+              <a:cs typeface="Calibri" panose="020F0502020204030204" pitchFamily="34" charset="0"/>
             </a:endParaRPr>
           </a:p>
           <a:p>
@@ -30814,7 +30825,8 @@
                   <a:srgbClr val="374151"/>
                 </a:solidFill>
                 <a:effectLst/>
-                <a:latin typeface="Söhne"/>
+                <a:latin typeface="Calibri" panose="020F0502020204030204" pitchFamily="34" charset="0"/>
+                <a:cs typeface="Calibri" panose="020F0502020204030204" pitchFamily="34" charset="0"/>
               </a:rPr>
               <a:t>Houve algum aspecto do processo de adicionar ao carrinho que você acredita que possa ser melhorado?</a:t>
             </a:r>
@@ -30823,7 +30835,8 @@
                 <a:srgbClr val="374151"/>
               </a:solidFill>
               <a:effectLst/>
-              <a:latin typeface="Söhne"/>
+              <a:latin typeface="Calibri" panose="020F0502020204030204" pitchFamily="34" charset="0"/>
+              <a:cs typeface="Calibri" panose="020F0502020204030204" pitchFamily="34" charset="0"/>
             </a:endParaRPr>
           </a:p>
           <a:p>
@@ -30837,7 +30850,8 @@
                   <a:srgbClr val="374151"/>
                 </a:solidFill>
                 <a:effectLst/>
-                <a:latin typeface="Söhne"/>
+                <a:latin typeface="Calibri" panose="020F0502020204030204" pitchFamily="34" charset="0"/>
+                <a:cs typeface="Calibri" panose="020F0502020204030204" pitchFamily="34" charset="0"/>
               </a:rPr>
               <a:t>No geral, como você avaliaria a experiência de adicionar o livro ao carrinho de compras na </a:t>
             </a:r>
@@ -30847,7 +30861,8 @@
                   <a:srgbClr val="374151"/>
                 </a:solidFill>
                 <a:effectLst/>
-                <a:latin typeface="Söhne"/>
+                <a:latin typeface="Calibri" panose="020F0502020204030204" pitchFamily="34" charset="0"/>
+                <a:cs typeface="Calibri" panose="020F0502020204030204" pitchFamily="34" charset="0"/>
               </a:rPr>
               <a:t>Amazon</a:t>
             </a:r>
@@ -30857,7 +30872,8 @@
                   <a:srgbClr val="374151"/>
                 </a:solidFill>
                 <a:effectLst/>
-                <a:latin typeface="Söhne"/>
+                <a:latin typeface="Calibri" panose="020F0502020204030204" pitchFamily="34" charset="0"/>
+                <a:cs typeface="Calibri" panose="020F0502020204030204" pitchFamily="34" charset="0"/>
               </a:rPr>
               <a:t>?</a:t>
             </a:r>
@@ -30866,7 +30882,8 @@
                 <a:srgbClr val="374151"/>
               </a:solidFill>
               <a:effectLst/>
-              <a:latin typeface="Söhne"/>
+              <a:latin typeface="Calibri" panose="020F0502020204030204" pitchFamily="34" charset="0"/>
+              <a:cs typeface="Calibri" panose="020F0502020204030204" pitchFamily="34" charset="0"/>
             </a:endParaRPr>
           </a:p>
           <a:p>
@@ -30880,7 +30897,8 @@
                   <a:srgbClr val="374151"/>
                 </a:solidFill>
                 <a:effectLst/>
-                <a:latin typeface="Söhne"/>
+                <a:latin typeface="Calibri" panose="020F0502020204030204" pitchFamily="34" charset="0"/>
+                <a:cs typeface="Calibri" panose="020F0502020204030204" pitchFamily="34" charset="0"/>
               </a:rPr>
               <a:t>Você tem alguma sugestão ou recomendação para melhorar essa funcionalidade?</a:t>
             </a:r>
@@ -30889,7 +30907,8 @@
                 <a:srgbClr val="374151"/>
               </a:solidFill>
               <a:effectLst/>
-              <a:latin typeface="Söhne"/>
+              <a:latin typeface="Calibri" panose="020F0502020204030204" pitchFamily="34" charset="0"/>
+              <a:cs typeface="Calibri" panose="020F0502020204030204" pitchFamily="34" charset="0"/>
             </a:endParaRPr>
           </a:p>
         </p:txBody>
